--- a/images/gellman-images.pptx
+++ b/images/gellman-images.pptx
@@ -18,6 +18,7 @@
     <p:sldId id="266" r:id="rId12"/>
     <p:sldId id="267" r:id="rId13"/>
     <p:sldId id="268" r:id="rId14"/>
+    <p:sldId id="269" r:id="rId15"/>
   </p:sldIdLst>
   <p:sldSz cx="9144000" cy="6858000" type="screen4x3"/>
   <p:notesSz cx="6858000" cy="9144000"/>
@@ -300,7 +301,7 @@
           <a:p>
             <a:fld id="{A81A2E3F-3737-40AD-B966-65F997A21ACD}" type="datetimeFigureOut">
               <a:rPr lang="en-US" smtClean="0"/>
-              <a:t>1/14/2013</a:t>
+              <a:t>1/16/2013</a:t>
             </a:fld>
             <a:endParaRPr lang="en-US"/>
           </a:p>
@@ -470,7 +471,7 @@
           <a:p>
             <a:fld id="{A81A2E3F-3737-40AD-B966-65F997A21ACD}" type="datetimeFigureOut">
               <a:rPr lang="en-US" smtClean="0"/>
-              <a:t>1/14/2013</a:t>
+              <a:t>1/16/2013</a:t>
             </a:fld>
             <a:endParaRPr lang="en-US"/>
           </a:p>
@@ -650,7 +651,7 @@
           <a:p>
             <a:fld id="{A81A2E3F-3737-40AD-B966-65F997A21ACD}" type="datetimeFigureOut">
               <a:rPr lang="en-US" smtClean="0"/>
-              <a:t>1/14/2013</a:t>
+              <a:t>1/16/2013</a:t>
             </a:fld>
             <a:endParaRPr lang="en-US"/>
           </a:p>
@@ -820,7 +821,7 @@
           <a:p>
             <a:fld id="{A81A2E3F-3737-40AD-B966-65F997A21ACD}" type="datetimeFigureOut">
               <a:rPr lang="en-US" smtClean="0"/>
-              <a:t>1/14/2013</a:t>
+              <a:t>1/16/2013</a:t>
             </a:fld>
             <a:endParaRPr lang="en-US"/>
           </a:p>
@@ -1066,7 +1067,7 @@
           <a:p>
             <a:fld id="{A81A2E3F-3737-40AD-B966-65F997A21ACD}" type="datetimeFigureOut">
               <a:rPr lang="en-US" smtClean="0"/>
-              <a:t>1/14/2013</a:t>
+              <a:t>1/16/2013</a:t>
             </a:fld>
             <a:endParaRPr lang="en-US"/>
           </a:p>
@@ -1354,7 +1355,7 @@
           <a:p>
             <a:fld id="{A81A2E3F-3737-40AD-B966-65F997A21ACD}" type="datetimeFigureOut">
               <a:rPr lang="en-US" smtClean="0"/>
-              <a:t>1/14/2013</a:t>
+              <a:t>1/16/2013</a:t>
             </a:fld>
             <a:endParaRPr lang="en-US"/>
           </a:p>
@@ -1776,7 +1777,7 @@
           <a:p>
             <a:fld id="{A81A2E3F-3737-40AD-B966-65F997A21ACD}" type="datetimeFigureOut">
               <a:rPr lang="en-US" smtClean="0"/>
-              <a:t>1/14/2013</a:t>
+              <a:t>1/16/2013</a:t>
             </a:fld>
             <a:endParaRPr lang="en-US"/>
           </a:p>
@@ -1894,7 +1895,7 @@
           <a:p>
             <a:fld id="{A81A2E3F-3737-40AD-B966-65F997A21ACD}" type="datetimeFigureOut">
               <a:rPr lang="en-US" smtClean="0"/>
-              <a:t>1/14/2013</a:t>
+              <a:t>1/16/2013</a:t>
             </a:fld>
             <a:endParaRPr lang="en-US"/>
           </a:p>
@@ -1989,7 +1990,7 @@
           <a:p>
             <a:fld id="{A81A2E3F-3737-40AD-B966-65F997A21ACD}" type="datetimeFigureOut">
               <a:rPr lang="en-US" smtClean="0"/>
-              <a:t>1/14/2013</a:t>
+              <a:t>1/16/2013</a:t>
             </a:fld>
             <a:endParaRPr lang="en-US"/>
           </a:p>
@@ -2266,7 +2267,7 @@
           <a:p>
             <a:fld id="{A81A2E3F-3737-40AD-B966-65F997A21ACD}" type="datetimeFigureOut">
               <a:rPr lang="en-US" smtClean="0"/>
-              <a:t>1/14/2013</a:t>
+              <a:t>1/16/2013</a:t>
             </a:fld>
             <a:endParaRPr lang="en-US"/>
           </a:p>
@@ -2519,7 +2520,7 @@
           <a:p>
             <a:fld id="{A81A2E3F-3737-40AD-B966-65F997A21ACD}" type="datetimeFigureOut">
               <a:rPr lang="en-US" smtClean="0"/>
-              <a:t>1/14/2013</a:t>
+              <a:t>1/16/2013</a:t>
             </a:fld>
             <a:endParaRPr lang="en-US"/>
           </a:p>
@@ -2732,7 +2733,7 @@
           <a:p>
             <a:fld id="{A81A2E3F-3737-40AD-B966-65F997A21ACD}" type="datetimeFigureOut">
               <a:rPr lang="en-US" smtClean="0"/>
-              <a:t>1/14/2013</a:t>
+              <a:t>1/16/2013</a:t>
             </a:fld>
             <a:endParaRPr lang="en-US"/>
           </a:p>
@@ -3207,6 +3208,13 @@
   <p:clrMapOvr>
     <a:masterClrMapping/>
   </p:clrMapOvr>
+  <p:timing>
+    <p:tnLst>
+      <p:par>
+        <p:cTn id="1" dur="indefinite" restart="never" nodeType="tmRoot"/>
+      </p:par>
+    </p:tnLst>
+  </p:timing>
 </p:sld>
 </file>
 
@@ -3777,6 +3785,50 @@
   <p:clrMapOvr>
     <a:masterClrMapping/>
   </p:clrMapOvr>
+  <p:timing>
+    <p:tnLst>
+      <p:par>
+        <p:cTn id="1" dur="indefinite" restart="never" nodeType="tmRoot"/>
+      </p:par>
+    </p:tnLst>
+  </p:timing>
+</p:sld>
+</file>
+
+<file path=ppt/slides/slide14.xml><?xml version="1.0" encoding="utf-8"?>
+<p:sld xmlns:a="http://schemas.openxmlformats.org/drawingml/2006/main" xmlns:r="http://schemas.openxmlformats.org/officeDocument/2006/relationships" xmlns:p="http://schemas.openxmlformats.org/presentationml/2006/main">
+  <p:cSld>
+    <p:spTree>
+      <p:nvGrpSpPr>
+        <p:cNvPr id="1" name=""/>
+        <p:cNvGrpSpPr/>
+        <p:nvPr/>
+      </p:nvGrpSpPr>
+      <p:grpSpPr>
+        <a:xfrm>
+          <a:off x="0" y="0"/>
+          <a:ext cx="0" cy="0"/>
+          <a:chOff x="0" y="0"/>
+          <a:chExt cx="0" cy="0"/>
+        </a:xfrm>
+      </p:grpSpPr>
+    </p:spTree>
+    <p:extLst>
+      <p:ext uri="{BB962C8B-B14F-4D97-AF65-F5344CB8AC3E}">
+        <p14:creationId xmlns:p14="http://schemas.microsoft.com/office/powerpoint/2010/main" val="845817490"/>
+      </p:ext>
+    </p:extLst>
+  </p:cSld>
+  <p:clrMapOvr>
+    <a:masterClrMapping/>
+  </p:clrMapOvr>
+  <p:timing>
+    <p:tnLst>
+      <p:par>
+        <p:cTn id="1" dur="indefinite" restart="never" nodeType="tmRoot"/>
+      </p:par>
+    </p:tnLst>
+  </p:timing>
 </p:sld>
 </file>
 
